--- a/Final.pptx
+++ b/Final.pptx
@@ -10,24 +10,26 @@
   <p:sldIdLst>
     <p:sldId id="256" r:id="rId3"/>
     <p:sldId id="257" r:id="rId5"/>
-    <p:sldId id="290" r:id="rId6"/>
-    <p:sldId id="275" r:id="rId7"/>
-    <p:sldId id="286" r:id="rId8"/>
-    <p:sldId id="274" r:id="rId9"/>
-    <p:sldId id="258" r:id="rId10"/>
-    <p:sldId id="292" r:id="rId11"/>
-    <p:sldId id="273" r:id="rId12"/>
+    <p:sldId id="298" r:id="rId6"/>
+    <p:sldId id="297" r:id="rId7"/>
+    <p:sldId id="275" r:id="rId8"/>
+    <p:sldId id="286" r:id="rId9"/>
+    <p:sldId id="274" r:id="rId10"/>
+    <p:sldId id="258" r:id="rId11"/>
+    <p:sldId id="299" r:id="rId12"/>
+    <p:sldId id="292" r:id="rId13"/>
+    <p:sldId id="273" r:id="rId14"/>
   </p:sldIdLst>
   <p:sldSz cx="9144000" cy="6858000" type="screen4x3"/>
   <p:notesSz cx="6858000" cy="9144000"/>
   <p:embeddedFontLst>
     <p:embeddedFont>
       <p:font typeface="Montserrat" panose="00000500000000000000"/>
-      <p:regular r:id="rId16"/>
+      <p:regular r:id="rId18"/>
     </p:embeddedFont>
     <p:embeddedFont>
       <p:font typeface="Lato" panose="020F0502020204030203"/>
-      <p:regular r:id="rId17"/>
+      <p:regular r:id="rId19"/>
     </p:embeddedFont>
   </p:embeddedFontLst>
   <p:defaultTextStyle>
@@ -820,6 +822,212 @@
 </p:notes>
 </file>
 
+<file path=ppt/notesSlides/notesSlide10.xml><?xml version="1.0" encoding="utf-8"?>
+<p:notes xmlns:a="http://schemas.openxmlformats.org/drawingml/2006/main" xmlns:r="http://schemas.openxmlformats.org/officeDocument/2006/relationships" xmlns:p="http://schemas.openxmlformats.org/presentationml/2006/main" showMasterPhAnim="0" showMasterSp="0">
+  <p:cSld>
+    <p:spTree>
+      <p:nvGrpSpPr>
+        <p:cNvPr id="1" name="Shape 148"/>
+        <p:cNvGrpSpPr/>
+        <p:nvPr/>
+      </p:nvGrpSpPr>
+      <p:grpSpPr>
+        <a:xfrm>
+          <a:off x="0" y="0"/>
+          <a:ext cx="0" cy="0"/>
+          <a:chOff x="0" y="0"/>
+          <a:chExt cx="0" cy="0"/>
+        </a:xfrm>
+      </p:grpSpPr>
+      <p:sp>
+        <p:nvSpPr>
+          <p:cNvPr id="149" name="Google Shape;149;p3:notes"/>
+          <p:cNvSpPr txBox="1">
+            <a:spLocks noGrp="1"/>
+          </p:cNvSpPr>
+          <p:nvPr>
+            <p:ph type="body" idx="1"/>
+          </p:nvPr>
+        </p:nvSpPr>
+        <p:spPr>
+          <a:xfrm>
+            <a:off x="685800" y="4343400"/>
+            <a:ext cx="5486400" cy="4114800"/>
+          </a:xfrm>
+          <a:prstGeom prst="rect">
+            <a:avLst/>
+          </a:prstGeom>
+        </p:spPr>
+        <p:txBody>
+          <a:bodyPr spcFirstLastPara="1" wrap="square" lIns="91425" tIns="91425" rIns="91425" bIns="91425" anchor="t" anchorCtr="0">
+            <a:noAutofit/>
+          </a:bodyPr>
+          <a:lstStyle/>
+          <a:p>
+            <a:pPr marL="0" lvl="0" indent="0" algn="l" rtl="0">
+              <a:spcBef>
+                <a:spcPts val="0"/>
+              </a:spcBef>
+              <a:spcAft>
+                <a:spcPts val="0"/>
+              </a:spcAft>
+              <a:buNone/>
+            </a:pPr>
+          </a:p>
+        </p:txBody>
+      </p:sp>
+      <p:sp>
+        <p:nvSpPr>
+          <p:cNvPr id="150" name="Google Shape;150;p3:notes"/>
+          <p:cNvSpPr>
+            <a:spLocks noGrp="1" noRot="1" noChangeAspect="1"/>
+          </p:cNvSpPr>
+          <p:nvPr>
+            <p:ph type="sldImg" idx="2"/>
+          </p:nvPr>
+        </p:nvSpPr>
+        <p:spPr>
+          <a:xfrm>
+            <a:off x="1143000" y="685800"/>
+            <a:ext cx="4572000" cy="3429000"/>
+          </a:xfrm>
+          <a:custGeom>
+            <a:avLst/>
+            <a:gdLst/>
+            <a:ahLst/>
+            <a:cxnLst/>
+            <a:rect l="l" t="t" r="r" b="b"/>
+            <a:pathLst>
+              <a:path w="120000" h="120000" extrusionOk="0">
+                <a:moveTo>
+                  <a:pt x="0" y="0"/>
+                </a:moveTo>
+                <a:lnTo>
+                  <a:pt x="120000" y="0"/>
+                </a:lnTo>
+                <a:lnTo>
+                  <a:pt x="120000" y="120000"/>
+                </a:lnTo>
+                <a:lnTo>
+                  <a:pt x="0" y="120000"/>
+                </a:lnTo>
+                <a:close/>
+              </a:path>
+            </a:pathLst>
+          </a:custGeom>
+        </p:spPr>
+      </p:sp>
+    </p:spTree>
+  </p:cSld>
+  <p:clrMapOvr>
+    <a:masterClrMapping/>
+  </p:clrMapOvr>
+</p:notes>
+</file>
+
+<file path=ppt/notesSlides/notesSlide11.xml><?xml version="1.0" encoding="utf-8"?>
+<p:notes xmlns:a="http://schemas.openxmlformats.org/drawingml/2006/main" xmlns:r="http://schemas.openxmlformats.org/officeDocument/2006/relationships" xmlns:p="http://schemas.openxmlformats.org/presentationml/2006/main" showMasterPhAnim="0" showMasterSp="0">
+  <p:cSld>
+    <p:spTree>
+      <p:nvGrpSpPr>
+        <p:cNvPr id="1" name="Shape 254"/>
+        <p:cNvGrpSpPr/>
+        <p:nvPr/>
+      </p:nvGrpSpPr>
+      <p:grpSpPr>
+        <a:xfrm>
+          <a:off x="0" y="0"/>
+          <a:ext cx="0" cy="0"/>
+          <a:chOff x="0" y="0"/>
+          <a:chExt cx="0" cy="0"/>
+        </a:xfrm>
+      </p:grpSpPr>
+      <p:sp>
+        <p:nvSpPr>
+          <p:cNvPr id="255" name="Google Shape;255;g30946a4a56f_1_233:notes"/>
+          <p:cNvSpPr txBox="1">
+            <a:spLocks noGrp="1"/>
+          </p:cNvSpPr>
+          <p:nvPr>
+            <p:ph type="body" idx="1"/>
+          </p:nvPr>
+        </p:nvSpPr>
+        <p:spPr>
+          <a:xfrm>
+            <a:off x="685800" y="4343400"/>
+            <a:ext cx="5486400" cy="4114800"/>
+          </a:xfrm>
+          <a:prstGeom prst="rect">
+            <a:avLst/>
+          </a:prstGeom>
+        </p:spPr>
+        <p:txBody>
+          <a:bodyPr spcFirstLastPara="1" wrap="square" lIns="91425" tIns="91425" rIns="91425" bIns="91425" anchor="t" anchorCtr="0">
+            <a:noAutofit/>
+          </a:bodyPr>
+          <a:lstStyle/>
+          <a:p>
+            <a:pPr marL="0" lvl="0" indent="0" algn="l" rtl="0">
+              <a:spcBef>
+                <a:spcPts val="0"/>
+              </a:spcBef>
+              <a:spcAft>
+                <a:spcPts val="0"/>
+              </a:spcAft>
+              <a:buNone/>
+            </a:pPr>
+          </a:p>
+        </p:txBody>
+      </p:sp>
+      <p:sp>
+        <p:nvSpPr>
+          <p:cNvPr id="256" name="Google Shape;256;g30946a4a56f_1_233:notes"/>
+          <p:cNvSpPr>
+            <a:spLocks noGrp="1" noRot="1" noChangeAspect="1"/>
+          </p:cNvSpPr>
+          <p:nvPr>
+            <p:ph type="sldImg" idx="2"/>
+          </p:nvPr>
+        </p:nvSpPr>
+        <p:spPr>
+          <a:xfrm>
+            <a:off x="1143225" y="685800"/>
+            <a:ext cx="4572300" cy="3429000"/>
+          </a:xfrm>
+          <a:custGeom>
+            <a:avLst/>
+            <a:gdLst/>
+            <a:ahLst/>
+            <a:cxnLst/>
+            <a:rect l="l" t="t" r="r" b="b"/>
+            <a:pathLst>
+              <a:path w="120000" h="120000" extrusionOk="0">
+                <a:moveTo>
+                  <a:pt x="0" y="0"/>
+                </a:moveTo>
+                <a:lnTo>
+                  <a:pt x="120000" y="0"/>
+                </a:lnTo>
+                <a:lnTo>
+                  <a:pt x="120000" y="120000"/>
+                </a:lnTo>
+                <a:lnTo>
+                  <a:pt x="0" y="120000"/>
+                </a:lnTo>
+                <a:close/>
+              </a:path>
+            </a:pathLst>
+          </a:custGeom>
+        </p:spPr>
+      </p:sp>
+    </p:spTree>
+  </p:cSld>
+  <p:clrMapOvr>
+    <a:masterClrMapping/>
+  </p:clrMapOvr>
+</p:notes>
+</file>
+
 <file path=ppt/notesSlides/notesSlide2.xml><?xml version="1.0" encoding="utf-8"?>
 <p:notes xmlns:a="http://schemas.openxmlformats.org/drawingml/2006/main" xmlns:r="http://schemas.openxmlformats.org/officeDocument/2006/relationships" xmlns:p="http://schemas.openxmlformats.org/presentationml/2006/main" showMasterPhAnim="0" showMasterSp="0">
   <p:cSld>
@@ -928,7 +1136,7 @@
   <p:cSld>
     <p:spTree>
       <p:nvGrpSpPr>
-        <p:cNvPr id="1" name="Shape 154"/>
+        <p:cNvPr id="1" name="Shape 142"/>
         <p:cNvGrpSpPr/>
         <p:nvPr/>
       </p:nvGrpSpPr>
@@ -942,7 +1150,7 @@
       </p:grpSpPr>
       <p:sp>
         <p:nvSpPr>
-          <p:cNvPr id="155" name="Google Shape;155;p4:notes"/>
+          <p:cNvPr id="143" name="Google Shape;143;p2:notes"/>
           <p:cNvSpPr txBox="1">
             <a:spLocks noGrp="1"/>
           </p:cNvSpPr>
@@ -979,7 +1187,7 @@
       </p:sp>
       <p:sp>
         <p:nvSpPr>
-          <p:cNvPr id="156" name="Google Shape;156;p4:notes"/>
+          <p:cNvPr id="144" name="Google Shape;144;p2:notes"/>
           <p:cNvSpPr>
             <a:spLocks noGrp="1" noRot="1" noChangeAspect="1"/>
           </p:cNvSpPr>
@@ -1340,7 +1548,7 @@
   <p:cSld>
     <p:spTree>
       <p:nvGrpSpPr>
-        <p:cNvPr id="1" name="Shape 148"/>
+        <p:cNvPr id="1" name="Shape 154"/>
         <p:cNvGrpSpPr/>
         <p:nvPr/>
       </p:nvGrpSpPr>
@@ -1354,7 +1562,7 @@
       </p:grpSpPr>
       <p:sp>
         <p:nvSpPr>
-          <p:cNvPr id="149" name="Google Shape;149;p3:notes"/>
+          <p:cNvPr id="155" name="Google Shape;155;p4:notes"/>
           <p:cNvSpPr txBox="1">
             <a:spLocks noGrp="1"/>
           </p:cNvSpPr>
@@ -1391,7 +1599,7 @@
       </p:sp>
       <p:sp>
         <p:nvSpPr>
-          <p:cNvPr id="150" name="Google Shape;150;p3:notes"/>
+          <p:cNvPr id="156" name="Google Shape;156;p4:notes"/>
           <p:cNvSpPr>
             <a:spLocks noGrp="1" noRot="1" noChangeAspect="1"/>
           </p:cNvSpPr>
@@ -1546,7 +1754,7 @@
   <p:cSld>
     <p:spTree>
       <p:nvGrpSpPr>
-        <p:cNvPr id="1" name="Shape 254"/>
+        <p:cNvPr id="1" name="Shape 148"/>
         <p:cNvGrpSpPr/>
         <p:nvPr/>
       </p:nvGrpSpPr>
@@ -1560,7 +1768,7 @@
       </p:grpSpPr>
       <p:sp>
         <p:nvSpPr>
-          <p:cNvPr id="255" name="Google Shape;255;g30946a4a56f_1_233:notes"/>
+          <p:cNvPr id="149" name="Google Shape;149;p3:notes"/>
           <p:cNvSpPr txBox="1">
             <a:spLocks noGrp="1"/>
           </p:cNvSpPr>
@@ -1597,7 +1805,7 @@
       </p:sp>
       <p:sp>
         <p:nvSpPr>
-          <p:cNvPr id="256" name="Google Shape;256;g30946a4a56f_1_233:notes"/>
+          <p:cNvPr id="150" name="Google Shape;150;p3:notes"/>
           <p:cNvSpPr>
             <a:spLocks noGrp="1" noRot="1" noChangeAspect="1"/>
           </p:cNvSpPr>
@@ -1607,8 +1815,8 @@
         </p:nvSpPr>
         <p:spPr>
           <a:xfrm>
-            <a:off x="1143225" y="685800"/>
-            <a:ext cx="4572300" cy="3429000"/>
+            <a:off x="1143000" y="685800"/>
+            <a:ext cx="4572000" cy="3429000"/>
           </a:xfrm>
           <a:custGeom>
             <a:avLst/>
@@ -10464,6 +10672,509 @@
 </p:sld>
 </file>
 
+<file path=ppt/slides/slide10.xml><?xml version="1.0" encoding="utf-8"?>
+<p:sld xmlns:a="http://schemas.openxmlformats.org/drawingml/2006/main" xmlns:r="http://schemas.openxmlformats.org/officeDocument/2006/relationships" xmlns:p="http://schemas.openxmlformats.org/presentationml/2006/main">
+  <p:cSld>
+    <p:spTree>
+      <p:nvGrpSpPr>
+        <p:cNvPr id="1" name="Shape 151"/>
+        <p:cNvGrpSpPr/>
+        <p:nvPr/>
+      </p:nvGrpSpPr>
+      <p:grpSpPr>
+        <a:xfrm>
+          <a:off x="0" y="0"/>
+          <a:ext cx="0" cy="0"/>
+          <a:chOff x="0" y="0"/>
+          <a:chExt cx="0" cy="0"/>
+        </a:xfrm>
+      </p:grpSpPr>
+      <p:sp>
+        <p:nvSpPr>
+          <p:cNvPr id="152" name="Google Shape;152;p16"/>
+          <p:cNvSpPr txBox="1">
+            <a:spLocks noGrp="1"/>
+          </p:cNvSpPr>
+          <p:nvPr>
+            <p:ph type="title"/>
+          </p:nvPr>
+        </p:nvSpPr>
+        <p:spPr>
+          <a:xfrm>
+            <a:off x="457200" y="274638"/>
+            <a:ext cx="8229600" cy="1143000"/>
+          </a:xfrm>
+          <a:prstGeom prst="rect">
+            <a:avLst/>
+          </a:prstGeom>
+          <a:noFill/>
+          <a:ln>
+            <a:noFill/>
+          </a:ln>
+        </p:spPr>
+        <p:txBody>
+          <a:bodyPr spcFirstLastPara="1" wrap="square" lIns="91425" tIns="45700" rIns="91425" bIns="45700" anchor="ctr" anchorCtr="0">
+            <a:normAutofit/>
+          </a:bodyPr>
+          <a:lstStyle/>
+          <a:p>
+            <a:pPr marL="0" lvl="0" indent="0" algn="ctr" rtl="0">
+              <a:spcBef>
+                <a:spcPts val="0"/>
+              </a:spcBef>
+              <a:spcAft>
+                <a:spcPts val="0"/>
+              </a:spcAft>
+              <a:buClr>
+                <a:schemeClr val="dk1"/>
+              </a:buClr>
+              <a:buSzPct val="100000"/>
+              <a:buFont typeface="Calibri"/>
+              <a:buNone/>
+            </a:pPr>
+            <a:r>
+              <a:rPr lang="en-US" sz="4400" b="1" dirty="0">
+                <a:latin typeface="Calibri"/>
+                <a:ea typeface="Calibri"/>
+                <a:cs typeface="Calibri"/>
+                <a:sym typeface="Calibri"/>
+              </a:rPr>
+              <a:t>Accomplishments</a:t>
+            </a:r>
+            <a:endParaRPr lang="en-US" sz="4400" b="1" dirty="0">
+              <a:latin typeface="Calibri"/>
+              <a:ea typeface="Calibri"/>
+              <a:cs typeface="Calibri"/>
+              <a:sym typeface="Calibri"/>
+            </a:endParaRPr>
+          </a:p>
+        </p:txBody>
+      </p:sp>
+      <p:sp>
+        <p:nvSpPr>
+          <p:cNvPr id="153" name="Google Shape;153;p16"/>
+          <p:cNvSpPr txBox="1">
+            <a:spLocks noGrp="1"/>
+          </p:cNvSpPr>
+          <p:nvPr>
+            <p:ph type="body" idx="1"/>
+          </p:nvPr>
+        </p:nvSpPr>
+        <p:spPr>
+          <a:xfrm>
+            <a:off x="457835" y="1141730"/>
+            <a:ext cx="8685530" cy="4973320"/>
+          </a:xfrm>
+          <a:prstGeom prst="rect">
+            <a:avLst/>
+          </a:prstGeom>
+          <a:noFill/>
+          <a:ln>
+            <a:noFill/>
+          </a:ln>
+        </p:spPr>
+        <p:txBody>
+          <a:bodyPr spcFirstLastPara="1" wrap="square" lIns="91425" tIns="45700" rIns="91425" bIns="45700" anchor="t" anchorCtr="0">
+            <a:noAutofit/>
+          </a:bodyPr>
+          <a:lstStyle/>
+          <a:p>
+            <a:pPr marL="0" lvl="0" indent="0">
+              <a:lnSpc>
+                <a:spcPct val="200000"/>
+              </a:lnSpc>
+              <a:spcBef>
+                <a:spcPts val="0"/>
+              </a:spcBef>
+              <a:buSzPts val="3200"/>
+              <a:buNone/>
+            </a:pPr>
+            <a:r>
+              <a:rPr lang="en-US" sz="2800" dirty="0"/>
+              <a:t>Zihan -&gt; onBoarding, Personal Profile</a:t>
+            </a:r>
+            <a:endParaRPr lang="en-US" sz="2800" dirty="0"/>
+          </a:p>
+          <a:p>
+            <a:pPr marL="0" lvl="0" indent="0">
+              <a:lnSpc>
+                <a:spcPct val="200000"/>
+              </a:lnSpc>
+              <a:spcBef>
+                <a:spcPts val="0"/>
+              </a:spcBef>
+              <a:buSzPts val="3200"/>
+              <a:buNone/>
+            </a:pPr>
+            <a:r>
+              <a:rPr lang="en-US" sz="2800" dirty="0">
+                <a:sym typeface="+mn-ea"/>
+              </a:rPr>
+              <a:t>Yuchen and Jialong -&gt; Login, Register and Event</a:t>
+            </a:r>
+            <a:endParaRPr lang="en-US" sz="2800" dirty="0">
+              <a:sym typeface="+mn-ea"/>
+            </a:endParaRPr>
+          </a:p>
+          <a:p>
+            <a:pPr marL="0" lvl="0" indent="0">
+              <a:lnSpc>
+                <a:spcPct val="200000"/>
+              </a:lnSpc>
+              <a:spcBef>
+                <a:spcPts val="0"/>
+              </a:spcBef>
+              <a:buSzPts val="3200"/>
+              <a:buNone/>
+            </a:pPr>
+            <a:r>
+              <a:rPr lang="en-US" sz="2800" dirty="0">
+                <a:sym typeface="+mn-ea"/>
+              </a:rPr>
+              <a:t>Yuchen -&gt; Local Cache (Room)</a:t>
+            </a:r>
+            <a:endParaRPr lang="en-US" sz="2800" dirty="0">
+              <a:sym typeface="+mn-ea"/>
+            </a:endParaRPr>
+          </a:p>
+          <a:p>
+            <a:pPr marL="0" lvl="0" indent="0">
+              <a:lnSpc>
+                <a:spcPct val="200000"/>
+              </a:lnSpc>
+              <a:spcBef>
+                <a:spcPts val="0"/>
+              </a:spcBef>
+              <a:buSzPts val="3200"/>
+              <a:buNone/>
+            </a:pPr>
+            <a:r>
+              <a:rPr lang="en-US" sz="2800" dirty="0">
+                <a:sym typeface="+mn-ea"/>
+              </a:rPr>
+              <a:t>Zihan and Jialong </a:t>
+            </a:r>
+            <a:r>
+              <a:rPr lang="en-US" sz="2800" dirty="0">
+                <a:sym typeface="+mn-ea"/>
+              </a:rPr>
+              <a:t>-&gt;</a:t>
+            </a:r>
+            <a:r>
+              <a:rPr lang="en-US" sz="2800" dirty="0">
+                <a:sym typeface="+mn-ea"/>
+              </a:rPr>
+              <a:t> Location</a:t>
+            </a:r>
+            <a:endParaRPr lang="en-US" sz="2800" dirty="0">
+              <a:sym typeface="+mn-ea"/>
+            </a:endParaRPr>
+          </a:p>
+          <a:p>
+            <a:pPr marL="0" lvl="0" indent="0">
+              <a:lnSpc>
+                <a:spcPct val="200000"/>
+              </a:lnSpc>
+              <a:spcBef>
+                <a:spcPts val="0"/>
+              </a:spcBef>
+              <a:buSzPts val="3200"/>
+              <a:buNone/>
+            </a:pPr>
+            <a:r>
+              <a:rPr lang="en-US" sz="2800" dirty="0">
+                <a:sym typeface="+mn-ea"/>
+              </a:rPr>
+              <a:t>Zihan -&gt; </a:t>
+            </a:r>
+            <a:r>
+              <a:rPr lang="en-US" sz="2800" dirty="0">
+                <a:sym typeface="+mn-ea"/>
+              </a:rPr>
+              <a:t>Calendar</a:t>
+            </a:r>
+            <a:endParaRPr lang="en-US" sz="2800" dirty="0">
+              <a:sym typeface="+mn-ea"/>
+            </a:endParaRPr>
+          </a:p>
+          <a:p>
+            <a:pPr marL="0" lvl="0" indent="0">
+              <a:lnSpc>
+                <a:spcPct val="200000"/>
+              </a:lnSpc>
+              <a:spcBef>
+                <a:spcPts val="0"/>
+              </a:spcBef>
+              <a:buSzPts val="3200"/>
+              <a:buNone/>
+            </a:pPr>
+            <a:r>
+              <a:rPr lang="en-US" sz="2800" dirty="0">
+                <a:sym typeface="+mn-ea"/>
+              </a:rPr>
+              <a:t>Together -&gt; </a:t>
+            </a:r>
+            <a:r>
+              <a:rPr lang="en-US" sz="2800" dirty="0" err="1">
+                <a:sym typeface="+mn-ea"/>
+              </a:rPr>
+              <a:t>FirebaseService, APK, Responsive design</a:t>
+            </a:r>
+            <a:endParaRPr lang="en-US" sz="2800" dirty="0"/>
+          </a:p>
+          <a:p>
+            <a:pPr marL="0" lvl="0" indent="0">
+              <a:lnSpc>
+                <a:spcPct val="200000"/>
+              </a:lnSpc>
+              <a:spcBef>
+                <a:spcPts val="0"/>
+              </a:spcBef>
+              <a:buSzPts val="3200"/>
+              <a:buNone/>
+            </a:pPr>
+            <a:endParaRPr lang="en-US" sz="2800" dirty="0"/>
+          </a:p>
+        </p:txBody>
+      </p:sp>
+      <p:sp>
+        <p:nvSpPr>
+          <p:cNvPr id="2" name="Slide Number Placeholder 1"/>
+          <p:cNvSpPr>
+            <a:spLocks noGrp="1"/>
+          </p:cNvSpPr>
+          <p:nvPr>
+            <p:ph type="sldNum" idx="12"/>
+          </p:nvPr>
+        </p:nvSpPr>
+        <p:spPr/>
+        <p:txBody>
+          <a:bodyPr/>
+          <a:lstStyle/>
+          <a:p>
+            <a:pPr marL="0" lvl="0" indent="0" algn="r" rtl="0">
+              <a:spcBef>
+                <a:spcPts val="0"/>
+              </a:spcBef>
+              <a:spcAft>
+                <a:spcPts val="0"/>
+              </a:spcAft>
+              <a:buNone/>
+            </a:pPr>
+            <a:fld id="{00000000-1234-1234-1234-123412341234}" type="slidenum">
+              <a:rPr lang="en-US"/>
+            </a:fld>
+            <a:endParaRPr lang="en-US"/>
+          </a:p>
+        </p:txBody>
+      </p:sp>
+    </p:spTree>
+  </p:cSld>
+  <p:clrMapOvr>
+    <a:masterClrMapping/>
+  </p:clrMapOvr>
+  <p:timing>
+    <p:tnLst>
+      <p:par>
+        <p:cTn id="1" dur="indefinite" restart="never" nodeType="tmRoot">
+          <p:childTnLst>
+            <p:seq concurrent="1" nextAc="seek">
+              <p:cTn id="2" dur="indefinite" nodeType="mainSeq">
+                <p:childTnLst>
+                  <p:par>
+                    <p:cTn id="3" fill="hold">
+                      <p:stCondLst>
+                        <p:cond delay="indefinite"/>
+                      </p:stCondLst>
+                      <p:childTnLst>
+                        <p:par>
+                          <p:cTn id="4" fill="hold">
+                            <p:stCondLst>
+                              <p:cond delay="0"/>
+                            </p:stCondLst>
+                            <p:childTnLst>
+                              <p:par>
+                                <p:cTn id="5" presetID="10" presetClass="entr" presetSubtype="0" fill="hold" nodeType="clickEffect">
+                                  <p:stCondLst>
+                                    <p:cond delay="0"/>
+                                  </p:stCondLst>
+                                  <p:childTnLst>
+                                    <p:set>
+                                      <p:cBhvr>
+                                        <p:cTn id="6" dur="1" fill="hold">
+                                          <p:stCondLst>
+                                            <p:cond delay="0"/>
+                                          </p:stCondLst>
+                                        </p:cTn>
+                                        <p:tgtEl>
+                                          <p:spTgt spid="153"/>
+                                        </p:tgtEl>
+                                        <p:attrNameLst>
+                                          <p:attrName>style.visibility</p:attrName>
+                                        </p:attrNameLst>
+                                      </p:cBhvr>
+                                      <p:to>
+                                        <p:strVal val="visible"/>
+                                      </p:to>
+                                    </p:set>
+                                    <p:animEffect transition="in" filter="fade">
+                                      <p:cBhvr>
+                                        <p:cTn id="7" dur="100"/>
+                                        <p:tgtEl>
+                                          <p:spTgt spid="153"/>
+                                        </p:tgtEl>
+                                      </p:cBhvr>
+                                    </p:animEffect>
+                                  </p:childTnLst>
+                                </p:cTn>
+                              </p:par>
+                            </p:childTnLst>
+                          </p:cTn>
+                        </p:par>
+                      </p:childTnLst>
+                    </p:cTn>
+                  </p:par>
+                </p:childTnLst>
+              </p:cTn>
+              <p:prevCondLst>
+                <p:cond evt="onPrev" delay="0">
+                  <p:tgtEl>
+                    <p:sldTgt/>
+                  </p:tgtEl>
+                </p:cond>
+              </p:prevCondLst>
+              <p:nextCondLst>
+                <p:cond evt="onNext" delay="0">
+                  <p:tgtEl>
+                    <p:sldTgt/>
+                  </p:tgtEl>
+                </p:cond>
+              </p:nextCondLst>
+            </p:seq>
+          </p:childTnLst>
+        </p:cTn>
+      </p:par>
+    </p:tnLst>
+  </p:timing>
+</p:sld>
+</file>
+
+<file path=ppt/slides/slide11.xml><?xml version="1.0" encoding="utf-8"?>
+<p:sld xmlns:a="http://schemas.openxmlformats.org/drawingml/2006/main" xmlns:r="http://schemas.openxmlformats.org/officeDocument/2006/relationships" xmlns:p="http://schemas.openxmlformats.org/presentationml/2006/main">
+  <p:cSld>
+    <p:spTree>
+      <p:nvGrpSpPr>
+        <p:cNvPr id="1" name="Shape 257"/>
+        <p:cNvGrpSpPr/>
+        <p:nvPr/>
+      </p:nvGrpSpPr>
+      <p:grpSpPr>
+        <a:xfrm>
+          <a:off x="0" y="0"/>
+          <a:ext cx="0" cy="0"/>
+          <a:chOff x="0" y="0"/>
+          <a:chExt cx="0" cy="0"/>
+        </a:xfrm>
+      </p:grpSpPr>
+      <p:sp>
+        <p:nvSpPr>
+          <p:cNvPr id="258" name="Google Shape;258;p31"/>
+          <p:cNvSpPr/>
+          <p:nvPr/>
+        </p:nvSpPr>
+        <p:spPr>
+          <a:xfrm>
+            <a:off x="476250" y="2602600"/>
+            <a:ext cx="8241747" cy="1362590"/>
+          </a:xfrm>
+          <a:prstGeom prst="rect">
+            <a:avLst/>
+          </a:prstGeom>
+        </p:spPr>
+        <p:txBody>
+          <a:bodyPr>
+            <a:prstTxWarp prst="textPlain">
+              <a:avLst/>
+            </a:prstTxWarp>
+          </a:bodyPr>
+          <a:lstStyle/>
+          <a:p>
+            <a:pPr lvl="0" algn="ctr"/>
+            <a:r>
+              <a:rPr b="1" i="0">
+                <a:ln w="9525" cap="flat" cmpd="sng">
+                  <a:solidFill>
+                    <a:schemeClr val="dk2"/>
+                  </a:solidFill>
+                  <a:prstDash val="solid"/>
+                  <a:round/>
+                  <a:headEnd type="none" w="sm" len="sm"/>
+                  <a:tailEnd type="none" w="sm" len="sm"/>
+                </a:ln>
+                <a:solidFill>
+                  <a:srgbClr val="CFE2F3"/>
+                </a:solidFill>
+                <a:latin typeface="Times New Roman" panose="02020503050405090304"/>
+              </a:rPr>
+              <a:t>Thank You!</a:t>
+            </a:r>
+            <a:endParaRPr b="1" i="0">
+              <a:ln w="9525" cap="flat" cmpd="sng">
+                <a:solidFill>
+                  <a:schemeClr val="dk2"/>
+                </a:solidFill>
+                <a:prstDash val="solid"/>
+                <a:round/>
+                <a:headEnd type="none" w="sm" len="sm"/>
+                <a:tailEnd type="none" w="sm" len="sm"/>
+              </a:ln>
+              <a:solidFill>
+                <a:srgbClr val="CFE2F3"/>
+              </a:solidFill>
+              <a:latin typeface="Times New Roman" panose="02020503050405090304"/>
+            </a:endParaRPr>
+          </a:p>
+        </p:txBody>
+      </p:sp>
+      <p:sp>
+        <p:nvSpPr>
+          <p:cNvPr id="2" name="Slide Number Placeholder 1"/>
+          <p:cNvSpPr>
+            <a:spLocks noGrp="1"/>
+          </p:cNvSpPr>
+          <p:nvPr>
+            <p:ph type="sldNum" idx="12"/>
+          </p:nvPr>
+        </p:nvSpPr>
+        <p:spPr/>
+        <p:txBody>
+          <a:bodyPr/>
+          <a:lstStyle/>
+          <a:p>
+            <a:pPr marL="0" lvl="0" indent="0" algn="r" rtl="0">
+              <a:spcBef>
+                <a:spcPts val="0"/>
+              </a:spcBef>
+              <a:spcAft>
+                <a:spcPts val="0"/>
+              </a:spcAft>
+              <a:buNone/>
+            </a:pPr>
+            <a:fld id="{00000000-1234-1234-1234-123412341234}" type="slidenum">
+              <a:rPr lang="en-US"/>
+            </a:fld>
+            <a:endParaRPr lang="en-US"/>
+          </a:p>
+        </p:txBody>
+      </p:sp>
+    </p:spTree>
+  </p:cSld>
+  <p:clrMapOvr>
+    <a:masterClrMapping/>
+  </p:clrMapOvr>
+</p:sld>
+</file>
+
 <file path=ppt/slides/slide2.xml><?xml version="1.0" encoding="utf-8"?>
 <p:sld xmlns:a="http://schemas.openxmlformats.org/drawingml/2006/main" xmlns:r="http://schemas.openxmlformats.org/officeDocument/2006/relationships" xmlns:p="http://schemas.openxmlformats.org/presentationml/2006/main">
   <p:cSld>
@@ -10784,6 +11495,178 @@
   <p:cSld>
     <p:spTree>
       <p:nvGrpSpPr>
+        <p:cNvPr id="1" name="Shape 145"/>
+        <p:cNvGrpSpPr/>
+        <p:nvPr/>
+      </p:nvGrpSpPr>
+      <p:grpSpPr>
+        <a:xfrm>
+          <a:off x="0" y="0"/>
+          <a:ext cx="0" cy="0"/>
+          <a:chOff x="0" y="0"/>
+          <a:chExt cx="0" cy="0"/>
+        </a:xfrm>
+      </p:grpSpPr>
+      <p:pic>
+        <p:nvPicPr>
+          <p:cNvPr id="5" name="Picture 4"/>
+          <p:cNvPicPr>
+            <a:picLocks noChangeAspect="1"/>
+          </p:cNvPicPr>
+          <p:nvPr/>
+        </p:nvPicPr>
+        <p:blipFill>
+          <a:blip r:embed="rId1"/>
+          <a:stretch>
+            <a:fillRect/>
+          </a:stretch>
+        </p:blipFill>
+        <p:spPr>
+          <a:xfrm>
+            <a:off x="1483360" y="1417955"/>
+            <a:ext cx="6165850" cy="5134610"/>
+          </a:xfrm>
+          <a:prstGeom prst="rect">
+            <a:avLst/>
+          </a:prstGeom>
+        </p:spPr>
+      </p:pic>
+      <p:sp>
+        <p:nvSpPr>
+          <p:cNvPr id="146" name="Google Shape;146;p15"/>
+          <p:cNvSpPr txBox="1">
+            <a:spLocks noGrp="1"/>
+          </p:cNvSpPr>
+          <p:nvPr>
+            <p:ph type="title"/>
+          </p:nvPr>
+        </p:nvSpPr>
+        <p:spPr>
+          <a:xfrm>
+            <a:off x="457200" y="274638"/>
+            <a:ext cx="8229600" cy="1143000"/>
+          </a:xfrm>
+          <a:prstGeom prst="rect">
+            <a:avLst/>
+          </a:prstGeom>
+          <a:noFill/>
+          <a:ln>
+            <a:noFill/>
+          </a:ln>
+        </p:spPr>
+        <p:txBody>
+          <a:bodyPr spcFirstLastPara="1" wrap="square" lIns="91425" tIns="45700" rIns="91425" bIns="45700" anchor="ctr" anchorCtr="0">
+            <a:normAutofit/>
+          </a:bodyPr>
+          <a:lstStyle/>
+          <a:p>
+            <a:pPr marL="0" lvl="0" indent="0" algn="ctr" rtl="0">
+              <a:spcBef>
+                <a:spcPts val="0"/>
+              </a:spcBef>
+              <a:spcAft>
+                <a:spcPts val="0"/>
+              </a:spcAft>
+              <a:buClr>
+                <a:schemeClr val="dk1"/>
+              </a:buClr>
+              <a:buSzPts val="4400"/>
+              <a:buFont typeface="Calibri"/>
+              <a:buNone/>
+            </a:pPr>
+            <a:r>
+              <a:rPr lang="en-US" sz="4400" b="1">
+                <a:latin typeface="Calibri"/>
+                <a:ea typeface="Calibri"/>
+                <a:cs typeface="Calibri"/>
+                <a:sym typeface="Calibri"/>
+              </a:rPr>
+              <a:t>QR Code</a:t>
+            </a:r>
+            <a:endParaRPr lang="en-US" sz="4400" b="1">
+              <a:latin typeface="Calibri"/>
+              <a:ea typeface="Calibri"/>
+              <a:cs typeface="Calibri"/>
+              <a:sym typeface="Calibri"/>
+            </a:endParaRPr>
+          </a:p>
+        </p:txBody>
+      </p:sp>
+      <p:sp>
+        <p:nvSpPr>
+          <p:cNvPr id="2" name="Slide Number Placeholder 1"/>
+          <p:cNvSpPr>
+            <a:spLocks noGrp="1"/>
+          </p:cNvSpPr>
+          <p:nvPr>
+            <p:ph type="sldNum" idx="12"/>
+          </p:nvPr>
+        </p:nvSpPr>
+        <p:spPr/>
+        <p:txBody>
+          <a:bodyPr/>
+          <a:lstStyle/>
+          <a:p>
+            <a:pPr marL="0" lvl="0" indent="0" algn="r" rtl="0">
+              <a:spcBef>
+                <a:spcPts val="0"/>
+              </a:spcBef>
+              <a:spcAft>
+                <a:spcPts val="0"/>
+              </a:spcAft>
+              <a:buNone/>
+            </a:pPr>
+            <a:fld id="{00000000-1234-1234-1234-123412341234}" type="slidenum">
+              <a:rPr lang="en-US"/>
+            </a:fld>
+            <a:endParaRPr lang="en-US"/>
+          </a:p>
+        </p:txBody>
+      </p:sp>
+      <p:pic>
+        <p:nvPicPr>
+          <p:cNvPr id="4" name="Picture 3" descr="QR"/>
+          <p:cNvPicPr>
+            <a:picLocks noChangeAspect="1"/>
+          </p:cNvPicPr>
+          <p:nvPr/>
+        </p:nvPicPr>
+        <p:blipFill>
+          <a:blip r:embed="rId2"/>
+          <a:stretch>
+            <a:fillRect/>
+          </a:stretch>
+        </p:blipFill>
+        <p:spPr>
+          <a:xfrm>
+            <a:off x="1758315" y="1515745"/>
+            <a:ext cx="4794885" cy="5523230"/>
+          </a:xfrm>
+          <a:prstGeom prst="rect">
+            <a:avLst/>
+          </a:prstGeom>
+        </p:spPr>
+      </p:pic>
+    </p:spTree>
+  </p:cSld>
+  <p:clrMapOvr>
+    <a:masterClrMapping/>
+  </p:clrMapOvr>
+  <p:timing>
+    <p:tnLst>
+      <p:par>
+        <p:cTn id="1" dur="indefinite" restart="never" nodeType="tmRoot"/>
+      </p:par>
+    </p:tnLst>
+  </p:timing>
+</p:sld>
+</file>
+
+<file path=ppt/slides/slide4.xml><?xml version="1.0" encoding="utf-8"?>
+<p:sld xmlns:a="http://schemas.openxmlformats.org/drawingml/2006/main" xmlns:r="http://schemas.openxmlformats.org/officeDocument/2006/relationships" xmlns:p="http://schemas.openxmlformats.org/presentationml/2006/main">
+  <p:cSld>
+    <p:spTree>
+      <p:nvGrpSpPr>
         <p:cNvPr id="1" name="Shape 157"/>
         <p:cNvGrpSpPr/>
         <p:nvPr/>
@@ -10896,7 +11779,7 @@
 </p:sld>
 </file>
 
-<file path=ppt/slides/slide4.xml><?xml version="1.0" encoding="utf-8"?>
+<file path=ppt/slides/slide5.xml><?xml version="1.0" encoding="utf-8"?>
 <p:sld xmlns:a="http://schemas.openxmlformats.org/drawingml/2006/main" xmlns:r="http://schemas.openxmlformats.org/officeDocument/2006/relationships" xmlns:p="http://schemas.openxmlformats.org/presentationml/2006/main">
   <p:cSld>
     <p:spTree>
@@ -11455,7 +12338,7 @@
 </p:sld>
 </file>
 
-<file path=ppt/slides/slide5.xml><?xml version="1.0" encoding="utf-8"?>
+<file path=ppt/slides/slide6.xml><?xml version="1.0" encoding="utf-8"?>
 <p:sld xmlns:a="http://schemas.openxmlformats.org/drawingml/2006/main" xmlns:r="http://schemas.openxmlformats.org/officeDocument/2006/relationships" xmlns:p="http://schemas.openxmlformats.org/presentationml/2006/main">
   <p:cSld>
     <p:spTree>
@@ -11671,7 +12554,7 @@
 </p:sld>
 </file>
 
-<file path=ppt/slides/slide6.xml><?xml version="1.0" encoding="utf-8"?>
+<file path=ppt/slides/slide7.xml><?xml version="1.0" encoding="utf-8"?>
 <p:sld xmlns:a="http://schemas.openxmlformats.org/drawingml/2006/main" xmlns:r="http://schemas.openxmlformats.org/officeDocument/2006/relationships" xmlns:p="http://schemas.openxmlformats.org/presentationml/2006/main">
   <p:cSld>
     <p:spTree>
@@ -12581,7 +13464,7 @@
 </p:sld>
 </file>
 
-<file path=ppt/slides/slide7.xml><?xml version="1.0" encoding="utf-8"?>
+<file path=ppt/slides/slide8.xml><?xml version="1.0" encoding="utf-8"?>
 <p:sld xmlns:a="http://schemas.openxmlformats.org/drawingml/2006/main" xmlns:r="http://schemas.openxmlformats.org/officeDocument/2006/relationships" xmlns:p="http://schemas.openxmlformats.org/presentationml/2006/main">
   <p:cSld>
     <p:spTree>
@@ -12775,393 +13658,6 @@
               <a:rPr lang="en-US" sz="2800" dirty="0"/>
               <a:t>4. Local Cache (Room)</a:t>
             </a:r>
-            <a:endParaRPr lang="en-US" sz="2800" dirty="0"/>
-          </a:p>
-        </p:txBody>
-      </p:sp>
-      <p:sp>
-        <p:nvSpPr>
-          <p:cNvPr id="2" name="Slide Number Placeholder 1"/>
-          <p:cNvSpPr>
-            <a:spLocks noGrp="1"/>
-          </p:cNvSpPr>
-          <p:nvPr>
-            <p:ph type="sldNum" idx="12"/>
-          </p:nvPr>
-        </p:nvSpPr>
-        <p:spPr/>
-        <p:txBody>
-          <a:bodyPr/>
-          <a:lstStyle/>
-          <a:p>
-            <a:pPr marL="0" lvl="0" indent="0" algn="r" rtl="0">
-              <a:spcBef>
-                <a:spcPts val="0"/>
-              </a:spcBef>
-              <a:spcAft>
-                <a:spcPts val="0"/>
-              </a:spcAft>
-              <a:buNone/>
-            </a:pPr>
-            <a:fld id="{00000000-1234-1234-1234-123412341234}" type="slidenum">
-              <a:rPr lang="en-US"/>
-            </a:fld>
-            <a:endParaRPr lang="en-US"/>
-          </a:p>
-        </p:txBody>
-      </p:sp>
-    </p:spTree>
-  </p:cSld>
-  <p:clrMapOvr>
-    <a:masterClrMapping/>
-  </p:clrMapOvr>
-  <p:timing>
-    <p:tnLst>
-      <p:par>
-        <p:cTn id="1" dur="indefinite" restart="never" nodeType="tmRoot">
-          <p:childTnLst>
-            <p:seq concurrent="1" nextAc="seek">
-              <p:cTn id="2" dur="indefinite" nodeType="mainSeq">
-                <p:childTnLst>
-                  <p:par>
-                    <p:cTn id="3" fill="hold">
-                      <p:stCondLst>
-                        <p:cond delay="indefinite"/>
-                      </p:stCondLst>
-                      <p:childTnLst>
-                        <p:par>
-                          <p:cTn id="4" fill="hold">
-                            <p:stCondLst>
-                              <p:cond delay="0"/>
-                            </p:stCondLst>
-                            <p:childTnLst>
-                              <p:par>
-                                <p:cTn id="5" presetID="10" presetClass="entr" presetSubtype="0" fill="hold" nodeType="clickEffect">
-                                  <p:stCondLst>
-                                    <p:cond delay="0"/>
-                                  </p:stCondLst>
-                                  <p:childTnLst>
-                                    <p:set>
-                                      <p:cBhvr>
-                                        <p:cTn id="6" dur="1" fill="hold">
-                                          <p:stCondLst>
-                                            <p:cond delay="0"/>
-                                          </p:stCondLst>
-                                        </p:cTn>
-                                        <p:tgtEl>
-                                          <p:spTgt spid="153"/>
-                                        </p:tgtEl>
-                                        <p:attrNameLst>
-                                          <p:attrName>style.visibility</p:attrName>
-                                        </p:attrNameLst>
-                                      </p:cBhvr>
-                                      <p:to>
-                                        <p:strVal val="visible"/>
-                                      </p:to>
-                                    </p:set>
-                                    <p:animEffect transition="in" filter="fade">
-                                      <p:cBhvr>
-                                        <p:cTn id="7" dur="100"/>
-                                        <p:tgtEl>
-                                          <p:spTgt spid="153"/>
-                                        </p:tgtEl>
-                                      </p:cBhvr>
-                                    </p:animEffect>
-                                  </p:childTnLst>
-                                </p:cTn>
-                              </p:par>
-                            </p:childTnLst>
-                          </p:cTn>
-                        </p:par>
-                      </p:childTnLst>
-                    </p:cTn>
-                  </p:par>
-                </p:childTnLst>
-              </p:cTn>
-              <p:prevCondLst>
-                <p:cond evt="onPrev" delay="0">
-                  <p:tgtEl>
-                    <p:sldTgt/>
-                  </p:tgtEl>
-                </p:cond>
-              </p:prevCondLst>
-              <p:nextCondLst>
-                <p:cond evt="onNext" delay="0">
-                  <p:tgtEl>
-                    <p:sldTgt/>
-                  </p:tgtEl>
-                </p:cond>
-              </p:nextCondLst>
-            </p:seq>
-          </p:childTnLst>
-        </p:cTn>
-      </p:par>
-    </p:tnLst>
-  </p:timing>
-</p:sld>
-</file>
-
-<file path=ppt/slides/slide8.xml><?xml version="1.0" encoding="utf-8"?>
-<p:sld xmlns:a="http://schemas.openxmlformats.org/drawingml/2006/main" xmlns:r="http://schemas.openxmlformats.org/officeDocument/2006/relationships" xmlns:p="http://schemas.openxmlformats.org/presentationml/2006/main">
-  <p:cSld>
-    <p:spTree>
-      <p:nvGrpSpPr>
-        <p:cNvPr id="1" name="Shape 151"/>
-        <p:cNvGrpSpPr/>
-        <p:nvPr/>
-      </p:nvGrpSpPr>
-      <p:grpSpPr>
-        <a:xfrm>
-          <a:off x="0" y="0"/>
-          <a:ext cx="0" cy="0"/>
-          <a:chOff x="0" y="0"/>
-          <a:chExt cx="0" cy="0"/>
-        </a:xfrm>
-      </p:grpSpPr>
-      <p:sp>
-        <p:nvSpPr>
-          <p:cNvPr id="152" name="Google Shape;152;p16"/>
-          <p:cNvSpPr txBox="1">
-            <a:spLocks noGrp="1"/>
-          </p:cNvSpPr>
-          <p:nvPr>
-            <p:ph type="title"/>
-          </p:nvPr>
-        </p:nvSpPr>
-        <p:spPr>
-          <a:xfrm>
-            <a:off x="457200" y="274638"/>
-            <a:ext cx="8229600" cy="1143000"/>
-          </a:xfrm>
-          <a:prstGeom prst="rect">
-            <a:avLst/>
-          </a:prstGeom>
-          <a:noFill/>
-          <a:ln>
-            <a:noFill/>
-          </a:ln>
-        </p:spPr>
-        <p:txBody>
-          <a:bodyPr spcFirstLastPara="1" wrap="square" lIns="91425" tIns="45700" rIns="91425" bIns="45700" anchor="ctr" anchorCtr="0">
-            <a:normAutofit/>
-          </a:bodyPr>
-          <a:lstStyle/>
-          <a:p>
-            <a:pPr marL="0" lvl="0" indent="0" algn="ctr" rtl="0">
-              <a:spcBef>
-                <a:spcPts val="0"/>
-              </a:spcBef>
-              <a:spcAft>
-                <a:spcPts val="0"/>
-              </a:spcAft>
-              <a:buClr>
-                <a:schemeClr val="dk1"/>
-              </a:buClr>
-              <a:buSzPct val="100000"/>
-              <a:buFont typeface="Calibri"/>
-              <a:buNone/>
-            </a:pPr>
-            <a:r>
-              <a:rPr lang="en-US" sz="4400" b="1" dirty="0">
-                <a:latin typeface="Calibri"/>
-                <a:ea typeface="Calibri"/>
-                <a:cs typeface="Calibri"/>
-                <a:sym typeface="Calibri"/>
-              </a:rPr>
-              <a:t>Accomplishments</a:t>
-            </a:r>
-            <a:endParaRPr lang="en-US" sz="4400" b="1" dirty="0">
-              <a:latin typeface="Calibri"/>
-              <a:ea typeface="Calibri"/>
-              <a:cs typeface="Calibri"/>
-              <a:sym typeface="Calibri"/>
-            </a:endParaRPr>
-          </a:p>
-        </p:txBody>
-      </p:sp>
-      <p:sp>
-        <p:nvSpPr>
-          <p:cNvPr id="153" name="Google Shape;153;p16"/>
-          <p:cNvSpPr txBox="1">
-            <a:spLocks noGrp="1"/>
-          </p:cNvSpPr>
-          <p:nvPr>
-            <p:ph type="body" idx="1"/>
-          </p:nvPr>
-        </p:nvSpPr>
-        <p:spPr>
-          <a:xfrm>
-            <a:off x="457835" y="1141730"/>
-            <a:ext cx="8685530" cy="4973320"/>
-          </a:xfrm>
-          <a:prstGeom prst="rect">
-            <a:avLst/>
-          </a:prstGeom>
-          <a:noFill/>
-          <a:ln>
-            <a:noFill/>
-          </a:ln>
-        </p:spPr>
-        <p:txBody>
-          <a:bodyPr spcFirstLastPara="1" wrap="square" lIns="91425" tIns="45700" rIns="91425" bIns="45700" anchor="t" anchorCtr="0">
-            <a:noAutofit/>
-          </a:bodyPr>
-          <a:lstStyle/>
-          <a:p>
-            <a:pPr marL="0" lvl="0" indent="0">
-              <a:lnSpc>
-                <a:spcPct val="200000"/>
-              </a:lnSpc>
-              <a:spcBef>
-                <a:spcPts val="0"/>
-              </a:spcBef>
-              <a:buSzPts val="3200"/>
-              <a:buNone/>
-            </a:pPr>
-            <a:r>
-              <a:rPr lang="en-US" sz="2800" dirty="0"/>
-              <a:t>Zihan -&gt; onBoarding, Personal Profile</a:t>
-            </a:r>
-            <a:endParaRPr lang="en-US" sz="2800" dirty="0"/>
-          </a:p>
-          <a:p>
-            <a:pPr marL="0" lvl="0" indent="0">
-              <a:lnSpc>
-                <a:spcPct val="200000"/>
-              </a:lnSpc>
-              <a:spcBef>
-                <a:spcPts val="0"/>
-              </a:spcBef>
-              <a:buSzPts val="3200"/>
-              <a:buNone/>
-            </a:pPr>
-            <a:r>
-              <a:rPr lang="en-US" sz="2800" dirty="0">
-                <a:sym typeface="+mn-ea"/>
-              </a:rPr>
-              <a:t>Yuchen and Jialong -&gt; Login, Register and Event</a:t>
-            </a:r>
-            <a:endParaRPr lang="en-US" sz="2800" dirty="0">
-              <a:sym typeface="+mn-ea"/>
-            </a:endParaRPr>
-          </a:p>
-          <a:p>
-            <a:pPr marL="0" lvl="0" indent="0">
-              <a:lnSpc>
-                <a:spcPct val="200000"/>
-              </a:lnSpc>
-              <a:spcBef>
-                <a:spcPts val="0"/>
-              </a:spcBef>
-              <a:buSzPts val="3200"/>
-              <a:buNone/>
-            </a:pPr>
-            <a:r>
-              <a:rPr lang="en-US" sz="2800" dirty="0">
-                <a:sym typeface="+mn-ea"/>
-              </a:rPr>
-              <a:t>Yuchen -&gt; Local Cache (Room)</a:t>
-            </a:r>
-            <a:endParaRPr lang="en-US" sz="2800" dirty="0">
-              <a:sym typeface="+mn-ea"/>
-            </a:endParaRPr>
-          </a:p>
-          <a:p>
-            <a:pPr marL="0" lvl="0" indent="0">
-              <a:lnSpc>
-                <a:spcPct val="200000"/>
-              </a:lnSpc>
-              <a:spcBef>
-                <a:spcPts val="0"/>
-              </a:spcBef>
-              <a:buSzPts val="3200"/>
-              <a:buNone/>
-            </a:pPr>
-            <a:r>
-              <a:rPr lang="en-US" sz="2800" dirty="0">
-                <a:sym typeface="+mn-ea"/>
-              </a:rPr>
-              <a:t>Zihan and Jialong </a:t>
-            </a:r>
-            <a:r>
-              <a:rPr lang="en-US" sz="2800" dirty="0">
-                <a:sym typeface="+mn-ea"/>
-              </a:rPr>
-              <a:t>-&gt;</a:t>
-            </a:r>
-            <a:r>
-              <a:rPr lang="en-US" sz="2800" dirty="0">
-                <a:sym typeface="+mn-ea"/>
-              </a:rPr>
-              <a:t> Location</a:t>
-            </a:r>
-            <a:endParaRPr lang="en-US" sz="2800" dirty="0">
-              <a:sym typeface="+mn-ea"/>
-            </a:endParaRPr>
-          </a:p>
-          <a:p>
-            <a:pPr marL="0" lvl="0" indent="0">
-              <a:lnSpc>
-                <a:spcPct val="200000"/>
-              </a:lnSpc>
-              <a:spcBef>
-                <a:spcPts val="0"/>
-              </a:spcBef>
-              <a:buSzPts val="3200"/>
-              <a:buNone/>
-            </a:pPr>
-            <a:r>
-              <a:rPr lang="en-US" sz="2800" dirty="0">
-                <a:sym typeface="+mn-ea"/>
-              </a:rPr>
-              <a:t>Zihan -&gt; </a:t>
-            </a:r>
-            <a:r>
-              <a:rPr lang="en-US" sz="2800" dirty="0">
-                <a:sym typeface="+mn-ea"/>
-              </a:rPr>
-              <a:t>Calendar</a:t>
-            </a:r>
-            <a:endParaRPr lang="en-US" sz="2800" dirty="0">
-              <a:sym typeface="+mn-ea"/>
-            </a:endParaRPr>
-          </a:p>
-          <a:p>
-            <a:pPr marL="0" lvl="0" indent="0">
-              <a:lnSpc>
-                <a:spcPct val="200000"/>
-              </a:lnSpc>
-              <a:spcBef>
-                <a:spcPts val="0"/>
-              </a:spcBef>
-              <a:buSzPts val="3200"/>
-              <a:buNone/>
-            </a:pPr>
-            <a:r>
-              <a:rPr lang="en-US" sz="2800" dirty="0">
-                <a:sym typeface="+mn-ea"/>
-              </a:rPr>
-              <a:t>Together -&gt; </a:t>
-            </a:r>
-            <a:r>
-              <a:rPr lang="en-US" sz="2800" dirty="0" err="1">
-                <a:sym typeface="+mn-ea"/>
-              </a:rPr>
-              <a:t>FirebaseService, APK, Responsive design</a:t>
-            </a:r>
-            <a:endParaRPr lang="en-US" sz="2800" dirty="0"/>
-          </a:p>
-          <a:p>
-            <a:pPr marL="0" lvl="0" indent="0">
-              <a:lnSpc>
-                <a:spcPct val="200000"/>
-              </a:lnSpc>
-              <a:spcBef>
-                <a:spcPts val="0"/>
-              </a:spcBef>
-              <a:buSzPts val="3200"/>
-              <a:buNone/>
-            </a:pPr>
             <a:endParaRPr lang="en-US" sz="2800" dirty="0"/>
           </a:p>
         </p:txBody>
@@ -13293,7 +13789,7 @@
   <p:cSld>
     <p:spTree>
       <p:nvGrpSpPr>
-        <p:cNvPr id="1" name="Shape 257"/>
+        <p:cNvPr id="1" name="Shape 151"/>
         <p:cNvGrpSpPr/>
         <p:nvPr/>
       </p:nvGrpSpPr>
@@ -13307,61 +13803,148 @@
       </p:grpSpPr>
       <p:sp>
         <p:nvSpPr>
-          <p:cNvPr id="258" name="Google Shape;258;p31"/>
-          <p:cNvSpPr/>
-          <p:nvPr/>
+          <p:cNvPr id="152" name="Google Shape;152;p16"/>
+          <p:cNvSpPr txBox="1">
+            <a:spLocks noGrp="1"/>
+          </p:cNvSpPr>
+          <p:nvPr>
+            <p:ph type="title"/>
+          </p:nvPr>
         </p:nvSpPr>
         <p:spPr>
           <a:xfrm>
-            <a:off x="476250" y="2602600"/>
-            <a:ext cx="8241747" cy="1362590"/>
+            <a:off x="457200" y="274638"/>
+            <a:ext cx="8229600" cy="1143000"/>
           </a:xfrm>
           <a:prstGeom prst="rect">
             <a:avLst/>
           </a:prstGeom>
+          <a:noFill/>
+          <a:ln>
+            <a:noFill/>
+          </a:ln>
         </p:spPr>
         <p:txBody>
-          <a:bodyPr>
-            <a:prstTxWarp prst="textPlain">
-              <a:avLst/>
-            </a:prstTxWarp>
+          <a:bodyPr spcFirstLastPara="1" wrap="square" lIns="91425" tIns="45700" rIns="91425" bIns="45700" anchor="ctr" anchorCtr="0">
+            <a:normAutofit/>
           </a:bodyPr>
           <a:lstStyle/>
           <a:p>
-            <a:pPr lvl="0" algn="ctr"/>
+            <a:pPr marL="0" lvl="0" indent="0" algn="ctr" rtl="0">
+              <a:spcBef>
+                <a:spcPts val="0"/>
+              </a:spcBef>
+              <a:spcAft>
+                <a:spcPts val="0"/>
+              </a:spcAft>
+              <a:buClr>
+                <a:schemeClr val="dk1"/>
+              </a:buClr>
+              <a:buSzPct val="100000"/>
+              <a:buFont typeface="Calibri"/>
+              <a:buNone/>
+            </a:pPr>
             <a:r>
-              <a:rPr b="1" i="0">
-                <a:ln w="9525" cap="flat" cmpd="sng">
-                  <a:solidFill>
-                    <a:schemeClr val="dk2"/>
-                  </a:solidFill>
-                  <a:prstDash val="solid"/>
-                  <a:round/>
-                  <a:headEnd type="none" w="sm" len="sm"/>
-                  <a:tailEnd type="none" w="sm" len="sm"/>
-                </a:ln>
-                <a:solidFill>
-                  <a:srgbClr val="CFE2F3"/>
-                </a:solidFill>
-                <a:latin typeface="Times New Roman" panose="02020503050405090304"/>
+              <a:rPr lang="en-US" sz="4400" b="1" dirty="0">
+                <a:latin typeface="Calibri"/>
+                <a:ea typeface="Calibri"/>
+                <a:cs typeface="Calibri"/>
+                <a:sym typeface="Calibri"/>
               </a:rPr>
-              <a:t>Thank You!</a:t>
+              <a:t>Omitted Feature</a:t>
             </a:r>
-            <a:endParaRPr b="1" i="0">
-              <a:ln w="9525" cap="flat" cmpd="sng">
-                <a:solidFill>
-                  <a:schemeClr val="dk2"/>
-                </a:solidFill>
-                <a:prstDash val="solid"/>
-                <a:round/>
-                <a:headEnd type="none" w="sm" len="sm"/>
-                <a:tailEnd type="none" w="sm" len="sm"/>
-              </a:ln>
-              <a:solidFill>
-                <a:srgbClr val="CFE2F3"/>
-              </a:solidFill>
-              <a:latin typeface="Times New Roman" panose="02020503050405090304"/>
+            <a:r>
+              <a:rPr lang="en-US" sz="4400" b="1" dirty="0">
+                <a:latin typeface="Calibri"/>
+                <a:ea typeface="Calibri"/>
+                <a:cs typeface="Calibri"/>
+                <a:sym typeface="Calibri"/>
+              </a:rPr>
+              <a:t>s</a:t>
+            </a:r>
+            <a:endParaRPr lang="en-US" sz="4400" b="1" dirty="0">
+              <a:latin typeface="Calibri"/>
+              <a:ea typeface="Calibri"/>
+              <a:cs typeface="Calibri"/>
+              <a:sym typeface="Calibri"/>
             </a:endParaRPr>
+          </a:p>
+        </p:txBody>
+      </p:sp>
+      <p:sp>
+        <p:nvSpPr>
+          <p:cNvPr id="153" name="Google Shape;153;p16"/>
+          <p:cNvSpPr txBox="1">
+            <a:spLocks noGrp="1"/>
+          </p:cNvSpPr>
+          <p:nvPr>
+            <p:ph type="body" idx="1"/>
+          </p:nvPr>
+        </p:nvSpPr>
+        <p:spPr>
+          <a:xfrm>
+            <a:off x="904875" y="1668145"/>
+            <a:ext cx="8065770" cy="4446905"/>
+          </a:xfrm>
+          <a:prstGeom prst="rect">
+            <a:avLst/>
+          </a:prstGeom>
+          <a:noFill/>
+          <a:ln>
+            <a:noFill/>
+          </a:ln>
+        </p:spPr>
+        <p:txBody>
+          <a:bodyPr spcFirstLastPara="1" wrap="square" lIns="91425" tIns="45700" rIns="91425" bIns="45700" anchor="t" anchorCtr="0">
+            <a:noAutofit/>
+          </a:bodyPr>
+          <a:lstStyle/>
+          <a:p>
+            <a:pPr marL="0" lvl="0" indent="0">
+              <a:lnSpc>
+                <a:spcPct val="200000"/>
+              </a:lnSpc>
+              <a:spcBef>
+                <a:spcPts val="0"/>
+              </a:spcBef>
+              <a:buSzPts val="3200"/>
+              <a:buNone/>
+            </a:pPr>
+            <a:r>
+              <a:rPr lang="en-US" sz="2800" dirty="0">
+                <a:latin typeface="Calibri"/>
+                <a:ea typeface="Calibri"/>
+                <a:cs typeface="Calibri"/>
+                <a:sym typeface="Calibri"/>
+              </a:rPr>
+              <a:t>1. Device Sensor: Camera</a:t>
+            </a:r>
+            <a:br>
+              <a:rPr lang="en-US" sz="2800" dirty="0">
+                <a:latin typeface="Calibri"/>
+                <a:ea typeface="Calibri"/>
+                <a:cs typeface="Calibri"/>
+                <a:sym typeface="Calibri"/>
+              </a:rPr>
+            </a:br>
+            <a:r>
+              <a:rPr lang="en-US" sz="2800" dirty="0">
+                <a:latin typeface="Calibri"/>
+                <a:ea typeface="Calibri"/>
+                <a:cs typeface="Calibri"/>
+                <a:sym typeface="Calibri"/>
+              </a:rPr>
+              <a:t>2</a:t>
+            </a:r>
+            <a:r>
+              <a:rPr lang="en-US" sz="2800" dirty="0"/>
+              <a:t>. </a:t>
+            </a:r>
+            <a:r>
+              <a:rPr lang="en-US" sz="2800" dirty="0"/>
+              <a:t>OpenEvent Source APIs</a:t>
+            </a:r>
+            <a:endParaRPr lang="en-US" sz="2800" dirty="0"/>
           </a:p>
         </p:txBody>
       </p:sp>
@@ -13401,6 +13984,89 @@
   <p:clrMapOvr>
     <a:masterClrMapping/>
   </p:clrMapOvr>
+  <p:timing>
+    <p:tnLst>
+      <p:par>
+        <p:cTn id="1" dur="indefinite" restart="never" nodeType="tmRoot">
+          <p:childTnLst>
+            <p:seq concurrent="1" nextAc="seek">
+              <p:cTn id="2" dur="indefinite" nodeType="mainSeq">
+                <p:childTnLst>
+                  <p:par>
+                    <p:cTn id="3" fill="hold">
+                      <p:stCondLst>
+                        <p:cond delay="indefinite"/>
+                      </p:stCondLst>
+                      <p:childTnLst>
+                        <p:par>
+                          <p:cTn id="4" fill="hold">
+                            <p:stCondLst>
+                              <p:cond delay="0"/>
+                            </p:stCondLst>
+                            <p:childTnLst>
+                              <p:par>
+                                <p:cTn id="5" presetID="10" presetClass="entr" presetSubtype="0" fill="hold" nodeType="clickEffect">
+                                  <p:stCondLst>
+                                    <p:cond delay="0"/>
+                                  </p:stCondLst>
+                                  <p:childTnLst>
+                                    <p:set>
+                                      <p:cBhvr>
+                                        <p:cTn id="6" dur="1" fill="hold">
+                                          <p:stCondLst>
+                                            <p:cond delay="0"/>
+                                          </p:stCondLst>
+                                        </p:cTn>
+                                        <p:tgtEl>
+                                          <p:spTgt spid="153"/>
+                                        </p:tgtEl>
+                                        <p:attrNameLst>
+                                          <p:attrName>style.visibility</p:attrName>
+                                        </p:attrNameLst>
+                                      </p:cBhvr>
+                                      <p:to>
+                                        <p:strVal val="visible"/>
+                                      </p:to>
+                                    </p:set>
+                                    <p:animEffect transition="in" filter="fade">
+                                      <p:cBhvr>
+                                        <p:cTn id="7" dur="100"/>
+                                        <p:tgtEl>
+                                          <p:spTgt spid="153"/>
+                                        </p:tgtEl>
+                                      </p:cBhvr>
+                                    </p:animEffect>
+                                  </p:childTnLst>
+                                </p:cTn>
+                              </p:par>
+                            </p:childTnLst>
+                          </p:cTn>
+                        </p:par>
+                      </p:childTnLst>
+                    </p:cTn>
+                  </p:par>
+                </p:childTnLst>
+              </p:cTn>
+              <p:prevCondLst>
+                <p:cond evt="onPrev" delay="0">
+                  <p:tgtEl>
+                    <p:sldTgt/>
+                  </p:tgtEl>
+                </p:cond>
+              </p:prevCondLst>
+              <p:nextCondLst>
+                <p:cond evt="onNext" delay="0">
+                  <p:tgtEl>
+                    <p:sldTgt/>
+                  </p:tgtEl>
+                </p:cond>
+              </p:nextCondLst>
+            </p:seq>
+          </p:childTnLst>
+        </p:cTn>
+      </p:par>
+    </p:tnLst>
+  </p:timing>
 </p:sld>
 </file>
 
